--- a/presentations/presentation-master.pptx
+++ b/presentations/presentation-master.pptx
@@ -15348,7 +15348,7 @@
           <a:graphicData uri="http://schemas.openxmlformats.org/presentationml/2006/ole">
             <mc:AlternateContent xmlns:mc="http://schemas.openxmlformats.org/markup-compatibility/2006">
               <mc:Choice xmlns:v="urn:schemas-microsoft-com:vml" Requires="v">
-                <p:oleObj spid="_x0000_s1032" name="Visio" r:id="rId3" imgW="7223601" imgH="6774149" progId="Visio.Drawing.15">
+                <p:oleObj spid="_x0000_s1035" name="Visio" r:id="rId3" imgW="7223601" imgH="6774149" progId="Visio.Drawing.15">
                   <p:embed/>
                 </p:oleObj>
               </mc:Choice>
@@ -15653,7 +15653,7 @@
           <a:p>
             <a:r>
               <a:rPr lang="en-US" dirty="0"/>
-              <a:t>Conclusion</a:t>
+              <a:t>Summary</a:t>
             </a:r>
           </a:p>
         </p:txBody>
@@ -15671,12 +15671,12 @@
         <p:spPr>
           <a:xfrm>
             <a:off x="1295400" y="1550897"/>
-            <a:ext cx="9601200" cy="2761128"/>
+            <a:ext cx="9863138" cy="4378416"/>
           </a:xfrm>
         </p:spPr>
         <p:txBody>
           <a:bodyPr>
-            <a:normAutofit lnSpcReduction="10000"/>
+            <a:normAutofit/>
           </a:bodyPr>
           <a:lstStyle/>
           <a:p>
@@ -15688,25 +15688,26 @@
           <a:p>
             <a:r>
               <a:rPr lang="en-US" dirty="0"/>
-              <a:t>Application interfaces with employees who are then able to quickly request time off, and their supervisors can easily approve or deny that request.</a:t>
+              <a:t>Login / Logout functionality will direct user to appropriate interface.</a:t>
             </a:r>
           </a:p>
           <a:p>
             <a:r>
               <a:rPr lang="en-US" dirty="0"/>
-              <a:t>The system offers the benefit of weighted leave requests to ensure minimal scheduling conflicts between multiple employees. </a:t>
+              <a:t>Application will interface with employees who are then able to quickly request time off, and their supervisors can easily approve or deny that request.</a:t>
             </a:r>
           </a:p>
           <a:p>
             <a:r>
               <a:rPr lang="en-US" dirty="0"/>
-              <a:t>Login / Logout functionality directs user to </a:t>
+              <a:t>The system will offer the benefit of weighted leave requests to ensure minimal scheduling conflicts between multiple employees. </a:t>
             </a:r>
+          </a:p>
+          <a:p>
             <a:r>
-              <a:rPr lang="en-US"/>
-              <a:t>appropriate interface.</a:t>
+              <a:rPr lang="en-US" dirty="0"/>
+              <a:t>Full documentation available in public repository.</a:t>
             </a:r>
-            <a:endParaRPr lang="en-US" dirty="0"/>
           </a:p>
           <a:p>
             <a:r>

--- a/presentations/presentation-master.pptx
+++ b/presentations/presentation-master.pptx
@@ -21,7 +21,7 @@
   <p:notesSz cx="6858000" cy="9144000"/>
   <p:embeddedFontLst>
     <p:embeddedFont>
-      <p:font typeface="Crimson Text" panose="02000503000000000000" pitchFamily="2" charset="0"/>
+      <p:font typeface="Crimson Text" panose="020B0604020202020204" charset="0"/>
       <p:regular r:id="rId10"/>
       <p:bold r:id="rId11"/>
       <p:italic r:id="rId12"/>
@@ -227,7 +227,7 @@
           <a:p>
             <a:fld id="{59041DB8-B66F-4DC8-A96E-33677E0F90FF}" type="datetimeFigureOut">
               <a:rPr lang="en-US" smtClean="0"/>
-              <a:t>9/6/2016</a:t>
+              <a:t>9/7/2016</a:t>
             </a:fld>
             <a:endParaRPr lang="en-US"/>
           </a:p>
@@ -392,7 +392,7 @@
           <a:p>
             <a:fld id="{DEB49C4A-65AC-492D-9701-81B46C3AD0E4}" type="datetimeFigureOut">
               <a:rPr lang="en-US" smtClean="0"/>
-              <a:t>9/6/2016</a:t>
+              <a:t>9/7/2016</a:t>
             </a:fld>
             <a:endParaRPr lang="en-US"/>
           </a:p>
@@ -2860,7 +2860,7 @@
           <a:p>
             <a:fld id="{384A29A4-78C8-47AB-BA06-22CB45938951}" type="datetime1">
               <a:rPr lang="en-US" smtClean="0"/>
-              <a:t>9/6/2016</a:t>
+              <a:t>9/7/2016</a:t>
             </a:fld>
             <a:endParaRPr lang="en-US"/>
           </a:p>
@@ -3052,7 +3052,7 @@
           <a:p>
             <a:fld id="{E1ED4ACF-2D82-46F2-A8E9-23963AA34E86}" type="datetime1">
               <a:rPr lang="en-US" smtClean="0"/>
-              <a:t>9/6/2016</a:t>
+              <a:t>9/7/2016</a:t>
             </a:fld>
             <a:endParaRPr lang="en-US"/>
           </a:p>
@@ -3232,7 +3232,7 @@
           <a:p>
             <a:fld id="{AE374B5B-21A0-4192-BF4C-38187F1A68D8}" type="datetime1">
               <a:rPr lang="en-US" smtClean="0"/>
-              <a:t>9/6/2016</a:t>
+              <a:t>9/7/2016</a:t>
             </a:fld>
             <a:endParaRPr lang="en-US"/>
           </a:p>
@@ -5570,7 +5570,7 @@
           <a:p>
             <a:fld id="{33B5CF7C-B333-48E1-A4A6-83A3C8B73AC0}" type="datetime1">
               <a:rPr lang="en-US" smtClean="0"/>
-              <a:t>9/6/2016</a:t>
+              <a:t>9/7/2016</a:t>
             </a:fld>
             <a:endParaRPr lang="en-US"/>
           </a:p>
@@ -6020,7 +6020,7 @@
           <a:p>
             <a:fld id="{AE320762-5CBF-4210-AB54-376B091119F8}" type="datetime1">
               <a:rPr lang="en-US" smtClean="0"/>
-              <a:t>9/6/2016</a:t>
+              <a:t>9/7/2016</a:t>
             </a:fld>
             <a:endParaRPr lang="en-US"/>
           </a:p>
@@ -6149,7 +6149,7 @@
           <a:p>
             <a:fld id="{7F0DB371-BF5F-4058-A212-1A908E4D2674}" type="datetime1">
               <a:rPr lang="en-US" smtClean="0"/>
-              <a:t>9/6/2016</a:t>
+              <a:t>9/7/2016</a:t>
             </a:fld>
             <a:endParaRPr lang="en-US"/>
           </a:p>
@@ -8079,7 +8079,7 @@
           <a:p>
             <a:fld id="{60A4083B-90AA-48CF-BAD5-00AA24D7F288}" type="datetime1">
               <a:rPr lang="en-US" smtClean="0"/>
-              <a:t>9/6/2016</a:t>
+              <a:t>9/7/2016</a:t>
             </a:fld>
             <a:endParaRPr lang="en-US"/>
           </a:p>
@@ -10326,7 +10326,7 @@
           <a:p>
             <a:fld id="{F5BAF629-ECA2-4CF3-B790-9D9BDED98269}" type="datetime1">
               <a:rPr lang="en-US" smtClean="0"/>
-              <a:t>9/6/2016</a:t>
+              <a:t>9/7/2016</a:t>
             </a:fld>
             <a:endParaRPr lang="en-US"/>
           </a:p>
@@ -14553,7 +14553,7 @@
           <a:p>
             <a:fld id="{B51B2453-8663-4C69-AF73-9FD7B1DEC5D0}" type="datetime1">
               <a:rPr lang="en-US" smtClean="0"/>
-              <a:t>9/6/2016</a:t>
+              <a:t>9/7/2016</a:t>
             </a:fld>
             <a:endParaRPr lang="en-US"/>
           </a:p>
@@ -15217,6 +15217,10 @@
             <a:br>
               <a:rPr lang="en-US" sz="2200" dirty="0"/>
             </a:br>
+            <a:r>
+              <a:rPr lang="en-US" sz="2200" dirty="0"/>
+              <a:t/>
+            </a:r>
             <a:br>
               <a:rPr lang="en-US" sz="2200" dirty="0"/>
             </a:br>
@@ -15231,6 +15235,10 @@
             <a:br>
               <a:rPr lang="en-US" sz="2200" dirty="0"/>
             </a:br>
+            <a:r>
+              <a:rPr lang="en-US" sz="2200" b="0" dirty="0"/>
+              <a:t/>
+            </a:r>
             <a:br>
               <a:rPr lang="en-US" sz="2200" b="0" dirty="0"/>
             </a:br>
@@ -15348,7 +15356,7 @@
           <a:graphicData uri="http://schemas.openxmlformats.org/presentationml/2006/ole">
             <mc:AlternateContent xmlns:mc="http://schemas.openxmlformats.org/markup-compatibility/2006">
               <mc:Choice xmlns:v="urn:schemas-microsoft-com:vml" Requires="v">
-                <p:oleObj spid="_x0000_s1035" name="Visio" r:id="rId3" imgW="7223601" imgH="6774149" progId="Visio.Drawing.15">
+                <p:oleObj spid="_x0000_s1037" name="Visio" r:id="rId3" imgW="7223601" imgH="6774149" progId="Visio.Drawing.15">
                   <p:embed/>
                 </p:oleObj>
               </mc:Choice>
@@ -15463,7 +15471,7 @@
       </p:sp>
       <p:pic>
         <p:nvPicPr>
-          <p:cNvPr id="12" name="Picture 11"/>
+          <p:cNvPr id="2" name="Picture 1"/>
           <p:cNvPicPr>
             <a:picLocks noChangeAspect="1"/>
           </p:cNvPicPr>
@@ -15477,8 +15485,8 @@
         </p:blipFill>
         <p:spPr>
           <a:xfrm>
-            <a:off x="2176416" y="1021975"/>
-            <a:ext cx="7920472" cy="5065067"/>
+            <a:off x="2320528" y="860611"/>
+            <a:ext cx="7431243" cy="5220875"/>
           </a:xfrm>
           <a:prstGeom prst="rect">
             <a:avLst/>
